--- a/presentations/2023-02 Webinars/2023-02 Applied FHIR for Designers.pptx
+++ b/presentations/2023-02 Webinars/2023-02 Applied FHIR for Designers.pptx
@@ -31843,17 +31843,22 @@
           <a:p>
             <a:pPr lvl="1"/>
             <a:r>
-              <a:rPr lang="en-CA" dirty="0">
+              <a:rPr lang="en-CA">
                 <a:hlinkClick r:id="rId3"/>
               </a:rPr>
-              <a:t>https://github.com/FHIR/documents/raw/master/presentations/2023-02%20Webinars/2023-02%20Applied%20FHIR%20for%20Designers.pptx</a:t>
-            </a:r>
-            <a:endParaRPr lang="en-CA" dirty="0"/>
-          </a:p>
-          <a:p>
+              <a:t>https://github.com/FHIR/documents/blob/master/presentations/2023-02%20Webinars/2023-02%20Applied%20FHIR%20for%20Designers.pptx</a:t>
+            </a:r>
+            <a:endParaRPr lang="en-CA"/>
+          </a:p>
+          <a:p>
+            <a:pPr lvl="1"/>
+            <a:r>
+              <a:rPr lang="en-US"/>
+              <a:t>Is </a:t>
+            </a:r>
             <a:r>
               <a:rPr lang="en-US" dirty="0"/>
-              <a:t>Is licensed for use under the Creative Commons, specifically:</a:t>
+              <a:t>licensed for use under the Creative Commons, specifically:</a:t>
             </a:r>
           </a:p>
           <a:p>
